--- a/blocks.pptx
+++ b/blocks.pptx
@@ -104,6 +104,11 @@
       </a:defRPr>
     </a:lvl9pPr>
   </p:defaultTextStyle>
+  <p:extLst>
+    <p:ext uri="{EFAFB233-063F-42B5-8137-9DF3F51BA10A}">
+      <p15:sldGuideLst xmlns:p15="http://schemas.microsoft.com/office/powerpoint/2012/main"/>
+    </p:ext>
+  </p:extLst>
 </p:presentation>
 </file>
 
@@ -3762,7 +3767,9 @@
             <a:avLst/>
           </a:prstGeom>
           <a:solidFill>
-            <a:srgbClr val="00B0F0"/>
+            <a:schemeClr val="bg1">
+              <a:lumMod val="95000"/>
+            </a:schemeClr>
           </a:solidFill>
           <a:ln>
             <a:noFill/>
@@ -3814,7 +3821,9 @@
             <a:avLst/>
           </a:prstGeom>
           <a:solidFill>
-            <a:srgbClr val="00B0F0"/>
+            <a:schemeClr val="bg1">
+              <a:lumMod val="95000"/>
+            </a:schemeClr>
           </a:solidFill>
           <a:ln>
             <a:noFill/>
